--- a/src/pages/events/2025-03-12/slides/00_index_ja.pptx
+++ b/src/pages/events/2025-03-12/slides/00_index_ja.pptx
@@ -162,6 +162,92 @@
     </pc:docChg>
   </pc:docChgLst>
   <pc:docChgLst>
+    <pc:chgData name="佐藤　寛也" userId="27837c8b-abaf-4096-b544-58e4cbe7054e" providerId="ADAL" clId="{8075D52F-333E-4A5A-B35B-BE13E9AF00C9}"/>
+    <pc:docChg chg="undo custSel addSld delSld modSld">
+      <pc:chgData name="佐藤　寛也" userId="27837c8b-abaf-4096-b544-58e4cbe7054e" providerId="ADAL" clId="{8075D52F-333E-4A5A-B35B-BE13E9AF00C9}" dt="2024-09-10T07:33:38.414" v="821" actId="20577"/>
+      <pc:docMkLst>
+        <pc:docMk/>
+      </pc:docMkLst>
+      <pc:sldChg chg="del">
+        <pc:chgData name="佐藤　寛也" userId="27837c8b-abaf-4096-b544-58e4cbe7054e" providerId="ADAL" clId="{8075D52F-333E-4A5A-B35B-BE13E9AF00C9}" dt="2024-09-04T10:34:40.611" v="71" actId="47"/>
+        <pc:sldMkLst>
+          <pc:docMk/>
+          <pc:sldMk cId="2292264982" sldId="256"/>
+        </pc:sldMkLst>
+      </pc:sldChg>
+      <pc:sldChg chg="addSp delSp modSp mod">
+        <pc:chgData name="佐藤　寛也" userId="27837c8b-abaf-4096-b544-58e4cbe7054e" providerId="ADAL" clId="{8075D52F-333E-4A5A-B35B-BE13E9AF00C9}" dt="2024-09-10T07:33:38.414" v="821" actId="20577"/>
+        <pc:sldMkLst>
+          <pc:docMk/>
+          <pc:sldMk cId="3715238878" sldId="1404"/>
+        </pc:sldMkLst>
+      </pc:sldChg>
+      <pc:sldChg chg="modSp mod">
+        <pc:chgData name="佐藤　寛也" userId="27837c8b-abaf-4096-b544-58e4cbe7054e" providerId="ADAL" clId="{8075D52F-333E-4A5A-B35B-BE13E9AF00C9}" dt="2024-09-06T01:29:18.496" v="453" actId="20577"/>
+        <pc:sldMkLst>
+          <pc:docMk/>
+          <pc:sldMk cId="2177049298" sldId="1405"/>
+        </pc:sldMkLst>
+      </pc:sldChg>
+      <pc:sldChg chg="addSp modSp mod">
+        <pc:chgData name="佐藤　寛也" userId="27837c8b-abaf-4096-b544-58e4cbe7054e" providerId="ADAL" clId="{8075D52F-333E-4A5A-B35B-BE13E9AF00C9}" dt="2024-09-06T04:37:46.372" v="805" actId="20577"/>
+        <pc:sldMkLst>
+          <pc:docMk/>
+          <pc:sldMk cId="3275520723" sldId="1406"/>
+        </pc:sldMkLst>
+      </pc:sldChg>
+      <pc:sldChg chg="addSp modSp new mod">
+        <pc:chgData name="佐藤　寛也" userId="27837c8b-abaf-4096-b544-58e4cbe7054e" providerId="ADAL" clId="{8075D52F-333E-4A5A-B35B-BE13E9AF00C9}" dt="2024-09-06T01:22:31.124" v="432" actId="1037"/>
+        <pc:sldMkLst>
+          <pc:docMk/>
+          <pc:sldMk cId="41127999" sldId="1407"/>
+        </pc:sldMkLst>
+      </pc:sldChg>
+      <pc:sldChg chg="addSp delSp modSp add mod">
+        <pc:chgData name="佐藤　寛也" userId="27837c8b-abaf-4096-b544-58e4cbe7054e" providerId="ADAL" clId="{8075D52F-333E-4A5A-B35B-BE13E9AF00C9}" dt="2024-09-06T04:04:02.279" v="787" actId="478"/>
+        <pc:sldMkLst>
+          <pc:docMk/>
+          <pc:sldMk cId="246410480" sldId="1408"/>
+        </pc:sldMkLst>
+      </pc:sldChg>
+      <pc:sldChg chg="del">
+        <pc:chgData name="佐藤　寛也" userId="27837c8b-abaf-4096-b544-58e4cbe7054e" providerId="ADAL" clId="{8075D52F-333E-4A5A-B35B-BE13E9AF00C9}" dt="2024-09-04T10:34:40.611" v="71" actId="47"/>
+        <pc:sldMkLst>
+          <pc:docMk/>
+          <pc:sldMk cId="933987196" sldId="1412"/>
+        </pc:sldMkLst>
+      </pc:sldChg>
+      <pc:sldChg chg="del">
+        <pc:chgData name="佐藤　寛也" userId="27837c8b-abaf-4096-b544-58e4cbe7054e" providerId="ADAL" clId="{8075D52F-333E-4A5A-B35B-BE13E9AF00C9}" dt="2024-09-04T10:34:40.611" v="71" actId="47"/>
+        <pc:sldMkLst>
+          <pc:docMk/>
+          <pc:sldMk cId="3539333059" sldId="1413"/>
+        </pc:sldMkLst>
+      </pc:sldChg>
+      <pc:sldChg chg="del">
+        <pc:chgData name="佐藤　寛也" userId="27837c8b-abaf-4096-b544-58e4cbe7054e" providerId="ADAL" clId="{8075D52F-333E-4A5A-B35B-BE13E9AF00C9}" dt="2024-09-04T10:34:40.611" v="71" actId="47"/>
+        <pc:sldMkLst>
+          <pc:docMk/>
+          <pc:sldMk cId="4078742442" sldId="1414"/>
+        </pc:sldMkLst>
+      </pc:sldChg>
+      <pc:sldChg chg="del">
+        <pc:chgData name="佐藤　寛也" userId="27837c8b-abaf-4096-b544-58e4cbe7054e" providerId="ADAL" clId="{8075D52F-333E-4A5A-B35B-BE13E9AF00C9}" dt="2024-09-05T05:06:12.524" v="72" actId="47"/>
+        <pc:sldMkLst>
+          <pc:docMk/>
+          <pc:sldMk cId="412750678" sldId="1415"/>
+        </pc:sldMkLst>
+      </pc:sldChg>
+      <pc:sldChg chg="del">
+        <pc:chgData name="佐藤　寛也" userId="27837c8b-abaf-4096-b544-58e4cbe7054e" providerId="ADAL" clId="{8075D52F-333E-4A5A-B35B-BE13E9AF00C9}" dt="2024-09-05T05:06:12.932" v="73" actId="47"/>
+        <pc:sldMkLst>
+          <pc:docMk/>
+          <pc:sldMk cId="1741936773" sldId="1416"/>
+        </pc:sldMkLst>
+      </pc:sldChg>
+    </pc:docChg>
+  </pc:docChgLst>
+  <pc:docChgLst>
     <pc:chgData name="佐藤　寛也" userId="27837c8b-abaf-4096-b544-58e4cbe7054e" providerId="ADAL" clId="{4EF7329A-CC84-4005-9EEE-28C7F2DD44BB}"/>
     <pc:docChg chg="undo custSel addSld delSld modSld sldOrd">
       <pc:chgData name="佐藤　寛也" userId="27837c8b-abaf-4096-b544-58e4cbe7054e" providerId="ADAL" clId="{4EF7329A-CC84-4005-9EEE-28C7F2DD44BB}" dt="2024-07-02T04:32:58.311" v="2786" actId="403"/>
@@ -506,92 +592,6 @@
       </pc:sldChg>
       <pc:sldChg chg="delSp modSp add del mod">
         <pc:chgData name="佐藤　寛也" userId="27837c8b-abaf-4096-b544-58e4cbe7054e" providerId="ADAL" clId="{4EF7329A-CC84-4005-9EEE-28C7F2DD44BB}" dt="2024-07-01T10:32:01.362" v="2500" actId="20577"/>
-        <pc:sldMkLst>
-          <pc:docMk/>
-          <pc:sldMk cId="1741936773" sldId="1416"/>
-        </pc:sldMkLst>
-      </pc:sldChg>
-    </pc:docChg>
-  </pc:docChgLst>
-  <pc:docChgLst>
-    <pc:chgData name="佐藤　寛也" userId="27837c8b-abaf-4096-b544-58e4cbe7054e" providerId="ADAL" clId="{8075D52F-333E-4A5A-B35B-BE13E9AF00C9}"/>
-    <pc:docChg chg="undo custSel addSld delSld modSld">
-      <pc:chgData name="佐藤　寛也" userId="27837c8b-abaf-4096-b544-58e4cbe7054e" providerId="ADAL" clId="{8075D52F-333E-4A5A-B35B-BE13E9AF00C9}" dt="2024-09-10T07:33:38.414" v="821" actId="20577"/>
-      <pc:docMkLst>
-        <pc:docMk/>
-      </pc:docMkLst>
-      <pc:sldChg chg="del">
-        <pc:chgData name="佐藤　寛也" userId="27837c8b-abaf-4096-b544-58e4cbe7054e" providerId="ADAL" clId="{8075D52F-333E-4A5A-B35B-BE13E9AF00C9}" dt="2024-09-04T10:34:40.611" v="71" actId="47"/>
-        <pc:sldMkLst>
-          <pc:docMk/>
-          <pc:sldMk cId="2292264982" sldId="256"/>
-        </pc:sldMkLst>
-      </pc:sldChg>
-      <pc:sldChg chg="addSp delSp modSp mod">
-        <pc:chgData name="佐藤　寛也" userId="27837c8b-abaf-4096-b544-58e4cbe7054e" providerId="ADAL" clId="{8075D52F-333E-4A5A-B35B-BE13E9AF00C9}" dt="2024-09-10T07:33:38.414" v="821" actId="20577"/>
-        <pc:sldMkLst>
-          <pc:docMk/>
-          <pc:sldMk cId="3715238878" sldId="1404"/>
-        </pc:sldMkLst>
-      </pc:sldChg>
-      <pc:sldChg chg="modSp mod">
-        <pc:chgData name="佐藤　寛也" userId="27837c8b-abaf-4096-b544-58e4cbe7054e" providerId="ADAL" clId="{8075D52F-333E-4A5A-B35B-BE13E9AF00C9}" dt="2024-09-06T01:29:18.496" v="453" actId="20577"/>
-        <pc:sldMkLst>
-          <pc:docMk/>
-          <pc:sldMk cId="2177049298" sldId="1405"/>
-        </pc:sldMkLst>
-      </pc:sldChg>
-      <pc:sldChg chg="addSp modSp mod">
-        <pc:chgData name="佐藤　寛也" userId="27837c8b-abaf-4096-b544-58e4cbe7054e" providerId="ADAL" clId="{8075D52F-333E-4A5A-B35B-BE13E9AF00C9}" dt="2024-09-06T04:37:46.372" v="805" actId="20577"/>
-        <pc:sldMkLst>
-          <pc:docMk/>
-          <pc:sldMk cId="3275520723" sldId="1406"/>
-        </pc:sldMkLst>
-      </pc:sldChg>
-      <pc:sldChg chg="addSp modSp new mod">
-        <pc:chgData name="佐藤　寛也" userId="27837c8b-abaf-4096-b544-58e4cbe7054e" providerId="ADAL" clId="{8075D52F-333E-4A5A-B35B-BE13E9AF00C9}" dt="2024-09-06T01:22:31.124" v="432" actId="1037"/>
-        <pc:sldMkLst>
-          <pc:docMk/>
-          <pc:sldMk cId="41127999" sldId="1407"/>
-        </pc:sldMkLst>
-      </pc:sldChg>
-      <pc:sldChg chg="addSp delSp modSp add mod">
-        <pc:chgData name="佐藤　寛也" userId="27837c8b-abaf-4096-b544-58e4cbe7054e" providerId="ADAL" clId="{8075D52F-333E-4A5A-B35B-BE13E9AF00C9}" dt="2024-09-06T04:04:02.279" v="787" actId="478"/>
-        <pc:sldMkLst>
-          <pc:docMk/>
-          <pc:sldMk cId="246410480" sldId="1408"/>
-        </pc:sldMkLst>
-      </pc:sldChg>
-      <pc:sldChg chg="del">
-        <pc:chgData name="佐藤　寛也" userId="27837c8b-abaf-4096-b544-58e4cbe7054e" providerId="ADAL" clId="{8075D52F-333E-4A5A-B35B-BE13E9AF00C9}" dt="2024-09-04T10:34:40.611" v="71" actId="47"/>
-        <pc:sldMkLst>
-          <pc:docMk/>
-          <pc:sldMk cId="933987196" sldId="1412"/>
-        </pc:sldMkLst>
-      </pc:sldChg>
-      <pc:sldChg chg="del">
-        <pc:chgData name="佐藤　寛也" userId="27837c8b-abaf-4096-b544-58e4cbe7054e" providerId="ADAL" clId="{8075D52F-333E-4A5A-B35B-BE13E9AF00C9}" dt="2024-09-04T10:34:40.611" v="71" actId="47"/>
-        <pc:sldMkLst>
-          <pc:docMk/>
-          <pc:sldMk cId="3539333059" sldId="1413"/>
-        </pc:sldMkLst>
-      </pc:sldChg>
-      <pc:sldChg chg="del">
-        <pc:chgData name="佐藤　寛也" userId="27837c8b-abaf-4096-b544-58e4cbe7054e" providerId="ADAL" clId="{8075D52F-333E-4A5A-B35B-BE13E9AF00C9}" dt="2024-09-04T10:34:40.611" v="71" actId="47"/>
-        <pc:sldMkLst>
-          <pc:docMk/>
-          <pc:sldMk cId="4078742442" sldId="1414"/>
-        </pc:sldMkLst>
-      </pc:sldChg>
-      <pc:sldChg chg="del">
-        <pc:chgData name="佐藤　寛也" userId="27837c8b-abaf-4096-b544-58e4cbe7054e" providerId="ADAL" clId="{8075D52F-333E-4A5A-B35B-BE13E9AF00C9}" dt="2024-09-05T05:06:12.524" v="72" actId="47"/>
-        <pc:sldMkLst>
-          <pc:docMk/>
-          <pc:sldMk cId="412750678" sldId="1415"/>
-        </pc:sldMkLst>
-      </pc:sldChg>
-      <pc:sldChg chg="del">
-        <pc:chgData name="佐藤　寛也" userId="27837c8b-abaf-4096-b544-58e4cbe7054e" providerId="ADAL" clId="{8075D52F-333E-4A5A-B35B-BE13E9AF00C9}" dt="2024-09-05T05:06:12.932" v="73" actId="47"/>
         <pc:sldMkLst>
           <pc:docMk/>
           <pc:sldMk cId="1741936773" sldId="1416"/>
@@ -832,7 +832,7 @@
           <a:p>
             <a:fld id="{CB1A4338-2B97-43C1-AE79-82EAB43E70B8}" type="datetimeFigureOut">
               <a:rPr kumimoji="1" lang="ja-JP" altLang="en-US" smtClean="0"/>
-              <a:t>2025/3/11</a:t>
+              <a:t>2025/3/12</a:t>
             </a:fld>
             <a:endParaRPr kumimoji="1" lang="ja-JP" altLang="en-US"/>
           </a:p>
@@ -1351,7 +1351,7 @@
             </a:r>
             <a:r>
               <a:rPr kumimoji="1" lang="ja-JP" altLang="en-US"/>
-              <a:t>セメスタ</a:t>
+              <a:t>セメスター</a:t>
             </a:r>
             <a:r>
               <a:rPr kumimoji="1" lang="en-US" altLang="ja-JP"/>
@@ -1649,7 +1649,7 @@
             </a:r>
             <a:r>
               <a:rPr kumimoji="1" lang="ja-JP" altLang="en-US"/>
-              <a:t>セメスタ</a:t>
+              <a:t>セメスター</a:t>
             </a:r>
             <a:r>
               <a:rPr kumimoji="1" lang="en-US" altLang="ja-JP"/>
@@ -1807,7 +1807,7 @@
             </a:r>
             <a:r>
               <a:rPr kumimoji="1" lang="ja-JP" altLang="en-US"/>
-              <a:t>セメスタ</a:t>
+              <a:t>セメスター</a:t>
             </a:r>
             <a:r>
               <a:rPr kumimoji="1" lang="en-US" altLang="ja-JP"/>
@@ -2153,7 +2153,7 @@
             </a:r>
             <a:r>
               <a:rPr kumimoji="1" lang="ja-JP" altLang="en-US"/>
-              <a:t>セメスタ</a:t>
+              <a:t>セメスター</a:t>
             </a:r>
             <a:r>
               <a:rPr kumimoji="1" lang="en-US" altLang="ja-JP"/>
@@ -2281,7 +2281,7 @@
             </a:r>
             <a:r>
               <a:rPr kumimoji="1" lang="ja-JP" altLang="en-US"/>
-              <a:t>セメスタ</a:t>
+              <a:t>セメスター</a:t>
             </a:r>
             <a:r>
               <a:rPr kumimoji="1" lang="en-US" altLang="ja-JP"/>
@@ -2615,7 +2615,7 @@
             </a:r>
             <a:r>
               <a:rPr lang="ja-JP" altLang="en-US"/>
-              <a:t>セメスタ</a:t>
+              <a:t>セメスター</a:t>
             </a:r>
             <a:r>
               <a:rPr lang="en-US" altLang="ja-JP"/>
@@ -3290,7 +3290,7 @@
           <a:p>
             <a:pPr algn="l"/>
             <a:r>
-              <a:rPr lang="en-US" altLang="ja-JP" sz="2400" err="1">
+              <a:rPr lang="en-US" altLang="ja-JP" sz="2400" dirty="0" err="1">
                 <a:solidFill>
                   <a:schemeClr val="bg1"/>
                 </a:solidFill>
@@ -3300,7 +3300,7 @@
               <a:t>utelecon</a:t>
             </a:r>
             <a:r>
-              <a:rPr lang="en-US" altLang="ja-JP" sz="2400">
+              <a:rPr lang="en-US" altLang="ja-JP" sz="2400" dirty="0">
                 <a:solidFill>
                   <a:schemeClr val="bg1"/>
                 </a:solidFill>
@@ -3310,7 +3310,7 @@
               <a:t> </a:t>
             </a:r>
             <a:r>
-              <a:rPr lang="ja-JP" altLang="en-US" sz="2400">
+              <a:rPr lang="ja-JP" altLang="en-US" sz="2400" dirty="0">
                 <a:solidFill>
                   <a:schemeClr val="bg1"/>
                 </a:solidFill>
@@ -3319,7 +3319,7 @@
               </a:rPr>
               <a:t>プロジェクト</a:t>
             </a:r>
-            <a:endParaRPr lang="en-US" altLang="ja-JP" sz="2400">
+            <a:endParaRPr lang="en-US" altLang="ja-JP" sz="2400" dirty="0">
               <a:solidFill>
                 <a:schemeClr val="bg1"/>
               </a:solidFill>
@@ -3330,7 +3330,7 @@
           <a:p>
             <a:pPr algn="l"/>
             <a:r>
-              <a:rPr lang="en-US" altLang="ja-JP" sz="2400">
+              <a:rPr lang="en-US" altLang="ja-JP" sz="2400" dirty="0">
                 <a:solidFill>
                   <a:schemeClr val="bg1"/>
                 </a:solidFill>
@@ -3340,17 +3340,17 @@
               <a:t>   </a:t>
             </a:r>
             <a:r>
-              <a:rPr lang="ja-JP" altLang="en-US" sz="2400">
+              <a:rPr lang="ja-JP" altLang="en-US" sz="2400" dirty="0">
                 <a:solidFill>
                   <a:schemeClr val="bg1"/>
                 </a:solidFill>
                 <a:latin typeface="+mn-ea"/>
                 <a:cs typeface="Calibri" panose="020F0502020204030204" pitchFamily="34" charset="0"/>
               </a:rPr>
-              <a:t>田浦健次朗，雨宮智浩，玉造潤二</a:t>
-            </a:r>
-            <a:r>
-              <a:rPr lang="en-US" altLang="ja-JP" sz="2400">
+              <a:t>田浦健次朗，雨宮智浩，玉造潤史</a:t>
+            </a:r>
+            <a:r>
+              <a:rPr lang="en-US" altLang="ja-JP" sz="2400" dirty="0">
                 <a:solidFill>
                   <a:schemeClr val="bg1"/>
                 </a:solidFill>
@@ -3360,7 +3360,7 @@
               <a:t>, </a:t>
             </a:r>
             <a:r>
-              <a:rPr lang="ja-JP" altLang="en-US" sz="2400">
+              <a:rPr lang="ja-JP" altLang="en-US" sz="2400" dirty="0">
                 <a:solidFill>
                   <a:schemeClr val="bg1"/>
                 </a:solidFill>
@@ -3369,7 +3369,7 @@
               </a:rPr>
               <a:t>園井健太</a:t>
             </a:r>
-            <a:endParaRPr lang="en-US" altLang="ja-JP" sz="2400">
+            <a:endParaRPr lang="en-US" altLang="ja-JP" sz="2400" dirty="0">
               <a:solidFill>
                 <a:schemeClr val="bg1"/>
               </a:solidFill>
@@ -3380,7 +3380,7 @@
           <a:p>
             <a:pPr algn="l"/>
             <a:r>
-              <a:rPr lang="ja-JP" altLang="en-US" sz="2400">
+              <a:rPr lang="ja-JP" altLang="en-US" sz="2400" dirty="0">
                 <a:solidFill>
                   <a:schemeClr val="bg1"/>
                 </a:solidFill>
@@ -3390,7 +3390,7 @@
               <a:t>　</a:t>
             </a:r>
             <a:r>
-              <a:rPr lang="en-US" altLang="ja-JP" sz="2400">
+              <a:rPr lang="en-US" altLang="ja-JP" sz="2400" dirty="0">
                 <a:solidFill>
                   <a:schemeClr val="bg1"/>
                 </a:solidFill>
@@ -3400,7 +3400,7 @@
               <a:t>and </a:t>
             </a:r>
             <a:r>
-              <a:rPr lang="en-US" altLang="ja-JP" sz="2400" err="1">
+              <a:rPr lang="en-US" altLang="ja-JP" sz="2400" dirty="0" err="1">
                 <a:solidFill>
                   <a:schemeClr val="bg1"/>
                 </a:solidFill>
@@ -3410,22 +3410,25 @@
               <a:t>utelecon</a:t>
             </a:r>
             <a:r>
-              <a:rPr lang="en-US" altLang="ja-JP" sz="2400">
+              <a:rPr lang="en-US" altLang="ja-JP" sz="2400" dirty="0">
                 <a:solidFill>
                   <a:schemeClr val="bg1"/>
                 </a:solidFill>
                 <a:latin typeface="+mn-ea"/>
                 <a:cs typeface="Calibri" panose="020F0502020204030204" pitchFamily="34" charset="0"/>
               </a:rPr>
-              <a:t> supporters</a:t>
-            </a:r>
-            <a:endParaRPr lang="ja-JP" altLang="en-US" sz="2400">
-              <a:solidFill>
-                <a:schemeClr val="bg1"/>
-              </a:solidFill>
-              <a:latin typeface="+mn-ea"/>
-              <a:cs typeface="Calibri" panose="020F0502020204030204" pitchFamily="34" charset="0"/>
-            </a:endParaRPr>
+              <a:t> </a:t>
+            </a:r>
+            <a:r>
+              <a:rPr lang="ja-JP" altLang="en-US" sz="2400" dirty="0">
+                <a:solidFill>
+                  <a:schemeClr val="bg1"/>
+                </a:solidFill>
+                <a:latin typeface="+mn-ea"/>
+                <a:cs typeface="Calibri" panose="020F0502020204030204" pitchFamily="34" charset="0"/>
+              </a:rPr>
+              <a:t>サポーター</a:t>
+            </a:r>
           </a:p>
         </p:txBody>
       </p:sp>
@@ -3569,7 +3572,12 @@
             <p:ph idx="1"/>
           </p:nvPr>
         </p:nvSpPr>
-        <p:spPr/>
+        <p:spPr>
+          <a:xfrm>
+            <a:off x="838200" y="1251284"/>
+            <a:ext cx="10806404" cy="5174716"/>
+          </a:xfrm>
+        </p:spPr>
         <p:txBody>
           <a:bodyPr>
             <a:normAutofit/>
@@ -3582,10 +3590,10 @@
               </a:lnSpc>
             </a:pPr>
             <a:r>
-              <a:rPr lang="ja-JP" altLang="en-US"/>
+              <a:rPr lang="ja-JP" altLang="en-US" dirty="0"/>
               <a:t>東京大学の情報システム・コミュニケーションツールの概要説明</a:t>
             </a:r>
-            <a:endParaRPr lang="en-US" altLang="ja-JP"/>
+            <a:endParaRPr lang="en-US" altLang="ja-JP" dirty="0"/>
           </a:p>
           <a:p>
             <a:pPr lvl="1">
@@ -3594,18 +3602,18 @@
               </a:lnSpc>
             </a:pPr>
             <a:r>
-              <a:rPr lang="en-US" altLang="ja-JP" err="1"/>
+              <a:rPr lang="en-US" altLang="ja-JP" dirty="0" err="1"/>
               <a:t>utelecon</a:t>
             </a:r>
             <a:r>
-              <a:rPr lang="en-US" altLang="ja-JP"/>
+              <a:rPr lang="en-US" altLang="ja-JP" dirty="0"/>
               <a:t> </a:t>
             </a:r>
             <a:r>
-              <a:rPr lang="ja-JP" altLang="en-US"/>
+              <a:rPr lang="ja-JP" altLang="en-US" dirty="0"/>
               <a:t>プロジェクトでは，各セメスターの始期にあわせて教育研究活動・業務に利用する各システムの説明会を開催しています</a:t>
             </a:r>
-            <a:endParaRPr lang="en-US" altLang="ja-JP"/>
+            <a:endParaRPr lang="en-US" altLang="ja-JP" dirty="0"/>
           </a:p>
           <a:p>
             <a:pPr>
@@ -3614,10 +3622,10 @@
               </a:lnSpc>
             </a:pPr>
             <a:r>
-              <a:rPr lang="ja-JP" altLang="en-US"/>
+              <a:rPr lang="ja-JP" altLang="en-US" dirty="0"/>
               <a:t>説明会を通じて，以下のことを知ることができます</a:t>
             </a:r>
-            <a:endParaRPr lang="en-US" altLang="ja-JP"/>
+            <a:endParaRPr lang="en-US" altLang="ja-JP" dirty="0"/>
           </a:p>
           <a:p>
             <a:pPr lvl="1">
@@ -3626,17 +3634,10 @@
               </a:lnSpc>
             </a:pPr>
             <a:r>
-              <a:rPr lang="ja-JP" altLang="en-US"/>
-              <a:t>東京大学ではどのような情報システムを利用しなければならないか，</a:t>
-            </a:r>
-            <a:br>
-              <a:rPr lang="en-US" altLang="ja-JP"/>
-            </a:br>
-            <a:r>
-              <a:rPr lang="ja-JP" altLang="en-US"/>
-              <a:t>どのような情報システムを利用することができるか</a:t>
-            </a:r>
-            <a:endParaRPr lang="en-US" altLang="ja-JP"/>
+              <a:rPr lang="ja-JP" altLang="en-US" dirty="0"/>
+              <a:t>使うにあたっての準備・必須の設定</a:t>
+            </a:r>
+            <a:endParaRPr lang="en-US" altLang="ja-JP" dirty="0"/>
           </a:p>
           <a:p>
             <a:pPr lvl="1">
@@ -3645,10 +3646,22 @@
               </a:lnSpc>
             </a:pPr>
             <a:r>
-              <a:rPr lang="ja-JP" altLang="en-US"/>
-              <a:t>情報システムの利用にあたってどのようなサポートを受けることができるか</a:t>
-            </a:r>
-            <a:endParaRPr lang="en-US" altLang="ja-JP"/>
+              <a:rPr lang="ja-JP" altLang="en-US" dirty="0"/>
+              <a:t>どのようなシステムがよく使われるか</a:t>
+            </a:r>
+            <a:endParaRPr lang="en-US" altLang="ja-JP" dirty="0"/>
+          </a:p>
+          <a:p>
+            <a:pPr lvl="1">
+              <a:lnSpc>
+                <a:spcPct val="100000"/>
+              </a:lnSpc>
+            </a:pPr>
+            <a:r>
+              <a:rPr lang="ja-JP" altLang="en-US" dirty="0"/>
+              <a:t>どのようなサポートを受けられるか</a:t>
+            </a:r>
+            <a:endParaRPr lang="en-US" altLang="ja-JP" dirty="0"/>
           </a:p>
         </p:txBody>
       </p:sp>
@@ -3708,7 +3721,7 @@
             </a:r>
             <a:r>
               <a:rPr kumimoji="1" lang="ja-JP" altLang="en-US"/>
-              <a:t>セメスタ</a:t>
+              <a:t>セメスター</a:t>
             </a:r>
             <a:r>
               <a:rPr kumimoji="1" lang="en-US" altLang="ja-JP"/>
@@ -3956,7 +3969,7 @@
             </a:r>
             <a:r>
               <a:rPr kumimoji="1" lang="ja-JP" altLang="en-US"/>
-              <a:t>セメスタ</a:t>
+              <a:t>セメスター</a:t>
             </a:r>
             <a:r>
               <a:rPr kumimoji="1" lang="en-US" altLang="ja-JP"/>
@@ -4451,7 +4464,7 @@
             </a:r>
             <a:r>
               <a:rPr kumimoji="1" lang="ja-JP" altLang="en-US"/>
-              <a:t>セメスタ</a:t>
+              <a:t>セメスター</a:t>
             </a:r>
             <a:r>
               <a:rPr kumimoji="1" lang="en-US" altLang="ja-JP"/>
@@ -5033,7 +5046,7 @@
             </a:r>
             <a:r>
               <a:rPr kumimoji="1" lang="ja-JP" altLang="en-US"/>
-              <a:t>セメスタ</a:t>
+              <a:t>セメスター</a:t>
             </a:r>
             <a:r>
               <a:rPr kumimoji="1" lang="en-US" altLang="ja-JP"/>
@@ -5625,12 +5638,14 @@
 </file>
 
 <file path=customXml/item1.xml><?xml version="1.0" encoding="utf-8"?>
-<?mso-contentType ?>
-<FormTemplates xmlns="http://schemas.microsoft.com/sharepoint/v3/contenttype/forms">
-  <Display>DocumentLibraryForm</Display>
-  <Edit>DocumentLibraryForm</Edit>
-  <New>DocumentLibraryForm</New>
-</FormTemplates>
+<p:properties xmlns:p="http://schemas.microsoft.com/office/2006/metadata/properties" xmlns:xsi="http://www.w3.org/2001/XMLSchema-instance" xmlns:pc="http://schemas.microsoft.com/office/infopath/2007/PartnerControls">
+  <documentManagement>
+    <TaxCatchAll xmlns="b060e5a1-51d4-46e7-9a5b-f495fb1d1068" xsi:nil="true"/>
+    <lcf76f155ced4ddcb4097134ff3c332f xmlns="f7d78b45-837d-4ce6-9082-fef648083af7">
+      <Terms xmlns="http://schemas.microsoft.com/office/infopath/2007/PartnerControls"/>
+    </lcf76f155ced4ddcb4097134ff3c332f>
+  </documentManagement>
+</p:properties>
 </file>
 
 <file path=customXml/item2.xml><?xml version="1.0" encoding="utf-8"?>
@@ -5863,20 +5878,29 @@
 </file>
 
 <file path=customXml/item3.xml><?xml version="1.0" encoding="utf-8"?>
-<p:properties xmlns:p="http://schemas.microsoft.com/office/2006/metadata/properties" xmlns:xsi="http://www.w3.org/2001/XMLSchema-instance" xmlns:pc="http://schemas.microsoft.com/office/infopath/2007/PartnerControls">
-  <documentManagement>
-    <TaxCatchAll xmlns="b060e5a1-51d4-46e7-9a5b-f495fb1d1068" xsi:nil="true"/>
-    <lcf76f155ced4ddcb4097134ff3c332f xmlns="f7d78b45-837d-4ce6-9082-fef648083af7">
-      <Terms xmlns="http://schemas.microsoft.com/office/infopath/2007/PartnerControls"/>
-    </lcf76f155ced4ddcb4097134ff3c332f>
-  </documentManagement>
-</p:properties>
+<?mso-contentType ?>
+<FormTemplates xmlns="http://schemas.microsoft.com/sharepoint/v3/contenttype/forms">
+  <Display>DocumentLibraryForm</Display>
+  <Edit>DocumentLibraryForm</Edit>
+  <New>DocumentLibraryForm</New>
+</FormTemplates>
 </file>
 
 <file path=customXml/itemProps1.xml><?xml version="1.0" encoding="utf-8"?>
-<ds:datastoreItem xmlns:ds="http://schemas.openxmlformats.org/officeDocument/2006/customXml" ds:itemID="{6130639F-8A0E-4631-BB2C-1307E9C18413}">
+<ds:datastoreItem xmlns:ds="http://schemas.openxmlformats.org/officeDocument/2006/customXml" ds:itemID="{613B5A8C-C2D2-4C49-A03B-B41437F9A3AD}">
   <ds:schemaRefs>
-    <ds:schemaRef ds:uri="http://schemas.microsoft.com/sharepoint/v3/contenttype/forms"/>
+    <ds:schemaRef ds:uri="334cf2e0-0245-4f40-82a3-a831e5e7775a"/>
+    <ds:schemaRef ds:uri="b060e5a1-51d4-46e7-9a5b-f495fb1d1068"/>
+    <ds:schemaRef ds:uri="d89fd5b0-f297-46a7-8c43-79b7b7b34272"/>
+    <ds:schemaRef ds:uri="f7d78b45-837d-4ce6-9082-fef648083af7"/>
+    <ds:schemaRef ds:uri="http://purl.org/dc/dcmitype/"/>
+    <ds:schemaRef ds:uri="http://purl.org/dc/elements/1.1/"/>
+    <ds:schemaRef ds:uri="http://purl.org/dc/terms/"/>
+    <ds:schemaRef ds:uri="http://schemas.microsoft.com/office/2006/documentManagement/types"/>
+    <ds:schemaRef ds:uri="http://schemas.microsoft.com/office/2006/metadata/properties"/>
+    <ds:schemaRef ds:uri="http://schemas.microsoft.com/office/infopath/2007/PartnerControls"/>
+    <ds:schemaRef ds:uri="http://schemas.openxmlformats.org/package/2006/metadata/core-properties"/>
+    <ds:schemaRef ds:uri="http://www.w3.org/XML/1998/namespace"/>
   </ds:schemaRefs>
 </ds:datastoreItem>
 </file>
@@ -5901,20 +5925,9 @@
 </file>
 
 <file path=customXml/itemProps3.xml><?xml version="1.0" encoding="utf-8"?>
-<ds:datastoreItem xmlns:ds="http://schemas.openxmlformats.org/officeDocument/2006/customXml" ds:itemID="{613B5A8C-C2D2-4C49-A03B-B41437F9A3AD}">
+<ds:datastoreItem xmlns:ds="http://schemas.openxmlformats.org/officeDocument/2006/customXml" ds:itemID="{6130639F-8A0E-4631-BB2C-1307E9C18413}">
   <ds:schemaRefs>
-    <ds:schemaRef ds:uri="334cf2e0-0245-4f40-82a3-a831e5e7775a"/>
-    <ds:schemaRef ds:uri="b060e5a1-51d4-46e7-9a5b-f495fb1d1068"/>
-    <ds:schemaRef ds:uri="d89fd5b0-f297-46a7-8c43-79b7b7b34272"/>
-    <ds:schemaRef ds:uri="f7d78b45-837d-4ce6-9082-fef648083af7"/>
-    <ds:schemaRef ds:uri="http://purl.org/dc/dcmitype/"/>
-    <ds:schemaRef ds:uri="http://purl.org/dc/elements/1.1/"/>
-    <ds:schemaRef ds:uri="http://purl.org/dc/terms/"/>
-    <ds:schemaRef ds:uri="http://schemas.microsoft.com/office/2006/documentManagement/types"/>
-    <ds:schemaRef ds:uri="http://schemas.microsoft.com/office/2006/metadata/properties"/>
-    <ds:schemaRef ds:uri="http://schemas.microsoft.com/office/infopath/2007/PartnerControls"/>
-    <ds:schemaRef ds:uri="http://schemas.openxmlformats.org/package/2006/metadata/core-properties"/>
-    <ds:schemaRef ds:uri="http://www.w3.org/XML/1998/namespace"/>
+    <ds:schemaRef ds:uri="http://schemas.microsoft.com/sharepoint/v3/contenttype/forms"/>
   </ds:schemaRefs>
 </ds:datastoreItem>
 </file>